--- a/webapplication_release/Розгортання додатку на вебсервері.pptx
+++ b/webapplication_release/Розгортання додатку на вебсервері.pptx
@@ -4202,12 +4202,12 @@
         <p:spPr>
           <a:xfrm>
             <a:off x="1447331" y="2010878"/>
-            <a:ext cx="9605634" cy="3448595"/>
+            <a:ext cx="9605634" cy="2179382"/>
           </a:xfrm>
         </p:spPr>
         <p:txBody>
           <a:bodyPr>
-            <a:normAutofit fontScale="40000" lnSpcReduction="20000"/>
+            <a:normAutofit fontScale="25000" lnSpcReduction="20000"/>
           </a:bodyPr>
           <a:lstStyle/>
           <a:p>
@@ -4215,67 +4215,67 @@
               <a:buNone/>
             </a:pPr>
             <a:r>
-              <a:rPr lang="uk-UA" dirty="0"/>
+              <a:rPr lang="uk-UA" sz="3200" dirty="0"/>
               <a:t>Серед доволі популярних і вельми відомих серверів, де розгортаються веб додатки в Україні є </a:t>
             </a:r>
             <a:r>
-              <a:rPr lang="en-US" dirty="0"/>
+              <a:rPr lang="en-US" sz="3200" dirty="0"/>
               <a:t>Amazon</a:t>
             </a:r>
             <a:r>
-              <a:rPr lang="uk-UA" dirty="0"/>
+              <a:rPr lang="uk-UA" sz="3200" dirty="0"/>
               <a:t>. Також є багато інших служб і сервісів, які надають схожі послуги. Але оскільки особистого досвіду роботи з ними немає, то сфокусуємось на більш відомих платформах. Раніше </a:t>
             </a:r>
             <a:r>
-              <a:rPr lang="en-US" dirty="0"/>
+              <a:rPr lang="en-US" sz="3200" dirty="0"/>
               <a:t>Amazon</a:t>
             </a:r>
             <a:r>
-              <a:rPr lang="uk-UA" dirty="0"/>
+              <a:rPr lang="uk-UA" sz="3200" dirty="0"/>
               <a:t> надавав можливість за 1 долар в перший рік підняти окреме зображення (</a:t>
             </a:r>
             <a:r>
-              <a:rPr lang="en-US" dirty="0"/>
+              <a:rPr lang="en-US" sz="3200" dirty="0"/>
               <a:t>image/instance</a:t>
             </a:r>
             <a:r>
-              <a:rPr lang="uk-UA" dirty="0"/>
+              <a:rPr lang="uk-UA" sz="3200" dirty="0"/>
               <a:t>)</a:t>
             </a:r>
             <a:r>
-              <a:rPr lang="en-US" dirty="0"/>
+              <a:rPr lang="en-US" sz="3200" dirty="0"/>
               <a:t>. </a:t>
             </a:r>
             <a:r>
-              <a:rPr lang="ru-RU" dirty="0"/>
+              <a:rPr lang="ru-RU" sz="3200" dirty="0"/>
               <a:t>При </a:t>
             </a:r>
             <a:r>
-              <a:rPr lang="ru-RU" dirty="0" err="1"/>
+              <a:rPr lang="ru-RU" sz="3200" dirty="0" err="1"/>
               <a:t>цьому</a:t>
             </a:r>
             <a:r>
-              <a:rPr lang="ru-RU" dirty="0"/>
+              <a:rPr lang="ru-RU" sz="3200" dirty="0"/>
               <a:t> </a:t>
             </a:r>
             <a:r>
-              <a:rPr lang="ru-RU" dirty="0" err="1"/>
+              <a:rPr lang="ru-RU" sz="3200" dirty="0" err="1"/>
               <a:t>були</a:t>
             </a:r>
             <a:r>
-              <a:rPr lang="ru-RU" dirty="0"/>
+              <a:rPr lang="ru-RU" sz="3200" dirty="0"/>
               <a:t> окре</a:t>
             </a:r>
             <a:r>
-              <a:rPr lang="uk-UA" dirty="0"/>
+              <a:rPr lang="uk-UA" sz="3200" dirty="0"/>
               <a:t>мі обмеження на використання файлового сховища та ресурсів. Перевагою була масштабованість та гарантія доступності у випадку втрати зв’язку. У вас була можливість самостійно вибрати сховище. Зазвичай воно знаходилось у </a:t>
             </a:r>
             <a:r>
-              <a:rPr lang="ru-RU" dirty="0"/>
+              <a:rPr lang="ru-RU" sz="3200" dirty="0"/>
               <a:t>Франкфурт</a:t>
             </a:r>
             <a:r>
-              <a:rPr lang="uk-UA" dirty="0"/>
+              <a:rPr lang="uk-UA" sz="3200" dirty="0"/>
               <a:t>і (див. посилання 1), бо це відносно недалеко від міста Києва.</a:t>
             </a:r>
           </a:p>
@@ -4284,15 +4284,15 @@
               <a:buNone/>
             </a:pPr>
             <a:r>
-              <a:rPr lang="uk-UA" dirty="0"/>
+              <a:rPr lang="uk-UA" sz="3200" dirty="0"/>
               <a:t>Достатньо було налаштувати ваше середовище розробки з </a:t>
             </a:r>
             <a:r>
-              <a:rPr lang="en-US" dirty="0"/>
+              <a:rPr lang="en-US" sz="3200" dirty="0"/>
               <a:t>Amazon</a:t>
             </a:r>
             <a:r>
-              <a:rPr lang="uk-UA" dirty="0"/>
+              <a:rPr lang="uk-UA" sz="3200" dirty="0"/>
               <a:t>, додавши згідно їхньої інструкції параметри безпечного підключення.  Далі все залежало від особливостей вашого додатку та контейнеру, який ви вибрали.</a:t>
             </a:r>
           </a:p>
@@ -4301,163 +4301,244 @@
               <a:buNone/>
             </a:pPr>
             <a:r>
-              <a:rPr lang="uk-UA" dirty="0"/>
+              <a:rPr lang="uk-UA" sz="3200" dirty="0"/>
               <a:t>Також ще варто звернути увагу на політики налаштування імені домену. Раніше читав статтю про те що в Україні є можливість окремо налаштовувати </a:t>
             </a:r>
             <a:r>
-              <a:rPr lang="ru-RU" dirty="0"/>
+              <a:rPr lang="ru-RU" sz="3200" dirty="0"/>
               <a:t>укра</a:t>
             </a:r>
             <a:r>
-              <a:rPr lang="uk-UA" dirty="0"/>
+              <a:rPr lang="uk-UA" sz="3200" dirty="0"/>
               <a:t>ї</a:t>
             </a:r>
             <a:r>
-              <a:rPr lang="ru-RU" dirty="0" err="1"/>
+              <a:rPr lang="ru-RU" sz="3200" dirty="0" err="1"/>
               <a:t>номовний</a:t>
             </a:r>
             <a:r>
-              <a:rPr lang="ru-RU" dirty="0"/>
+              <a:rPr lang="ru-RU" sz="3200" dirty="0"/>
               <a:t> </a:t>
             </a:r>
             <a:r>
-              <a:rPr lang="uk-UA" dirty="0"/>
+              <a:rPr lang="uk-UA" sz="3200" dirty="0"/>
               <a:t>домен. Проте варто провести окреме дослідження: як в такому випадку </a:t>
             </a:r>
             <a:r>
-              <a:rPr lang="en-US" dirty="0"/>
+              <a:rPr lang="en-US" sz="3200" dirty="0"/>
               <a:t>Google </a:t>
             </a:r>
             <a:r>
-              <a:rPr lang="ru-RU" dirty="0" err="1"/>
+              <a:rPr lang="ru-RU" sz="3200" dirty="0" err="1"/>
               <a:t>чи</a:t>
             </a:r>
             <a:r>
-              <a:rPr lang="ru-RU" dirty="0"/>
+              <a:rPr lang="ru-RU" sz="3200" dirty="0"/>
               <a:t> </a:t>
             </a:r>
             <a:r>
-              <a:rPr lang="uk-UA" dirty="0"/>
+              <a:rPr lang="uk-UA" sz="3200" dirty="0"/>
               <a:t>і</a:t>
             </a:r>
             <a:r>
-              <a:rPr lang="ru-RU" dirty="0" err="1"/>
+              <a:rPr lang="ru-RU" sz="3200" dirty="0" err="1"/>
               <a:t>нша</a:t>
             </a:r>
             <a:r>
-              <a:rPr lang="ru-RU" dirty="0"/>
+              <a:rPr lang="ru-RU" sz="3200" dirty="0"/>
               <a:t> </a:t>
             </a:r>
             <a:r>
-              <a:rPr lang="ru-RU" dirty="0" err="1"/>
+              <a:rPr lang="ru-RU" sz="3200" dirty="0" err="1"/>
               <a:t>пошукова</a:t>
             </a:r>
             <a:r>
-              <a:rPr lang="ru-RU" dirty="0"/>
+              <a:rPr lang="ru-RU" sz="3200" dirty="0"/>
               <a:t> система буде </a:t>
             </a:r>
             <a:r>
-              <a:rPr lang="ru-RU" dirty="0" err="1"/>
+              <a:rPr lang="ru-RU" sz="3200" dirty="0" err="1"/>
               <a:t>їх</a:t>
             </a:r>
             <a:r>
-              <a:rPr lang="ru-RU" dirty="0"/>
+              <a:rPr lang="ru-RU" sz="3200" dirty="0"/>
               <a:t> </a:t>
             </a:r>
             <a:r>
-              <a:rPr lang="ru-RU" dirty="0" err="1"/>
+              <a:rPr lang="ru-RU" sz="3200" dirty="0" err="1"/>
               <a:t>знаходити</a:t>
             </a:r>
             <a:r>
-              <a:rPr lang="ru-RU" dirty="0"/>
+              <a:rPr lang="ru-RU" sz="3200" dirty="0"/>
               <a:t> і </a:t>
             </a:r>
             <a:r>
-              <a:rPr lang="ru-RU" dirty="0" err="1"/>
+              <a:rPr lang="ru-RU" sz="3200" dirty="0" err="1"/>
               <a:t>рекомендувати</a:t>
             </a:r>
             <a:r>
-              <a:rPr lang="ru-RU" dirty="0"/>
+              <a:rPr lang="ru-RU" sz="3200" dirty="0"/>
               <a:t> в мереж</a:t>
             </a:r>
             <a:r>
-              <a:rPr lang="uk-UA" dirty="0"/>
+              <a:rPr lang="uk-UA" sz="3200" dirty="0"/>
               <a:t>і</a:t>
             </a:r>
             <a:r>
-              <a:rPr lang="ru-RU" dirty="0"/>
+              <a:rPr lang="ru-RU" sz="3200" dirty="0"/>
               <a:t> </a:t>
             </a:r>
             <a:r>
-              <a:rPr lang="ru-RU" dirty="0" err="1"/>
+              <a:rPr lang="ru-RU" sz="3200" dirty="0" err="1"/>
               <a:t>інтернет</a:t>
             </a:r>
             <a:r>
-              <a:rPr lang="ru-RU" dirty="0"/>
+              <a:rPr lang="ru-RU" sz="3200" dirty="0"/>
               <a:t>. </a:t>
             </a:r>
             <a:r>
-              <a:rPr lang="ru-RU" dirty="0" err="1"/>
+              <a:rPr lang="ru-RU" sz="3200" dirty="0" err="1"/>
               <a:t>Які</a:t>
             </a:r>
             <a:r>
-              <a:rPr lang="ru-RU" dirty="0"/>
+              <a:rPr lang="ru-RU" sz="3200" dirty="0"/>
               <a:t> </a:t>
             </a:r>
             <a:r>
-              <a:rPr lang="ru-RU" dirty="0" err="1"/>
+              <a:rPr lang="ru-RU" sz="3200" dirty="0" err="1"/>
               <a:t>критерії</a:t>
             </a:r>
             <a:r>
-              <a:rPr lang="ru-RU" dirty="0"/>
+              <a:rPr lang="ru-RU" sz="3200" dirty="0"/>
               <a:t> для </a:t>
             </a:r>
             <a:r>
-              <a:rPr lang="ru-RU" dirty="0" err="1"/>
+              <a:rPr lang="ru-RU" sz="3200" dirty="0" err="1"/>
               <a:t>реклами</a:t>
             </a:r>
             <a:r>
-              <a:rPr lang="ru-RU" dirty="0"/>
+              <a:rPr lang="ru-RU" sz="3200" dirty="0"/>
               <a:t> і тому </a:t>
             </a:r>
             <a:r>
-              <a:rPr lang="ru-RU" dirty="0" err="1"/>
+              <a:rPr lang="ru-RU" sz="3200" dirty="0" err="1"/>
               <a:t>подібне</a:t>
             </a:r>
             <a:r>
-              <a:rPr lang="ru-RU" dirty="0"/>
+              <a:rPr lang="ru-RU" sz="3200" dirty="0"/>
               <a:t>.</a:t>
             </a:r>
             <a:r>
-              <a:rPr lang="uk-UA" dirty="0"/>
+              <a:rPr lang="uk-UA" sz="3200" dirty="0"/>
               <a:t> </a:t>
             </a:r>
-            <a:r>
-              <a:rPr lang="ru-RU" dirty="0"/>
+          </a:p>
+          <a:p>
+            <a:pPr marL="0" indent="0" algn="just">
+              <a:buNone/>
+            </a:pPr>
+            <a:r>
+              <a:rPr lang="ru-RU" sz="3200" dirty="0"/>
               <a:t>Приклад сайту </a:t>
             </a:r>
             <a:r>
-              <a:rPr lang="ru-RU" dirty="0" err="1"/>
+              <a:rPr lang="ru-RU" sz="3200" dirty="0" err="1"/>
               <a:t>ви</a:t>
             </a:r>
             <a:r>
-              <a:rPr lang="ru-RU" dirty="0"/>
+              <a:rPr lang="ru-RU" sz="3200" dirty="0"/>
               <a:t> можете </a:t>
             </a:r>
             <a:r>
-              <a:rPr lang="ru-RU" dirty="0" err="1"/>
+              <a:rPr lang="ru-RU" sz="3200" dirty="0" err="1"/>
               <a:t>знайти</a:t>
             </a:r>
             <a:r>
-              <a:rPr lang="ru-RU" dirty="0"/>
+              <a:rPr lang="ru-RU" sz="3200" dirty="0"/>
+              <a:t> </a:t>
+            </a:r>
+            <a:r>
+              <a:rPr lang="ru-RU" sz="3200" dirty="0" err="1"/>
+              <a:t>нижче</a:t>
+            </a:r>
+            <a:r>
+              <a:rPr lang="ru-RU" sz="3200" dirty="0"/>
+              <a:t>. </a:t>
+            </a:r>
+            <a:r>
+              <a:rPr lang="ru-RU" sz="3200" dirty="0" err="1"/>
+              <a:t>Іноді</a:t>
+            </a:r>
+            <a:r>
+              <a:rPr lang="ru-RU" sz="3200" dirty="0"/>
+              <a:t> </a:t>
+            </a:r>
+            <a:r>
+              <a:rPr lang="ru-RU" sz="3200" dirty="0" err="1"/>
+              <a:t>ви</a:t>
+            </a:r>
+            <a:r>
+              <a:rPr lang="ru-RU" sz="3200" dirty="0"/>
+              <a:t> можете </a:t>
+            </a:r>
+            <a:r>
+              <a:rPr lang="ru-RU" sz="3200" dirty="0" err="1"/>
+              <a:t>зустріти</a:t>
+            </a:r>
+            <a:r>
+              <a:rPr lang="ru-RU" sz="3200" dirty="0"/>
+              <a:t> </a:t>
+            </a:r>
+            <a:r>
+              <a:rPr lang="ru-RU" sz="3200" dirty="0" err="1"/>
+              <a:t>попередження</a:t>
+            </a:r>
+            <a:r>
+              <a:rPr lang="ru-RU" sz="3200" dirty="0"/>
+              <a:t>, </a:t>
+            </a:r>
+            <a:r>
+              <a:rPr lang="ru-RU" sz="3200" dirty="0" err="1"/>
+              <a:t>що</a:t>
+            </a:r>
+            <a:r>
+              <a:rPr lang="ru-RU" sz="3200" dirty="0"/>
+              <a:t> даний ресурс </a:t>
+            </a:r>
+            <a:r>
+              <a:rPr lang="ru-RU" sz="3200" dirty="0" err="1"/>
+              <a:t>небезпечний</a:t>
+            </a:r>
+            <a:r>
+              <a:rPr lang="ru-RU" sz="3200" dirty="0"/>
+              <a:t>.  </a:t>
+            </a:r>
+            <a:r>
+              <a:rPr lang="ru-RU" sz="3200" dirty="0" err="1"/>
+              <a:t>Що</a:t>
+            </a:r>
+            <a:r>
+              <a:rPr lang="ru-RU" sz="3200" dirty="0"/>
+              <a:t> слугу</a:t>
+            </a:r>
+            <a:r>
+              <a:rPr lang="uk-UA" sz="3200" dirty="0"/>
+              <a:t>є критерієм для виявлення небезпечності ще треба перевірити. Приклад сайту можете </a:t>
+            </a:r>
+            <a:r>
+              <a:rPr lang="ru-RU" sz="3200" dirty="0" err="1"/>
+              <a:t>знайти</a:t>
+            </a:r>
+            <a:r>
+              <a:rPr lang="ru-RU" sz="3200" dirty="0"/>
               <a:t> за </a:t>
             </a:r>
             <a:r>
-              <a:rPr lang="ru-RU" dirty="0" err="1"/>
+              <a:rPr lang="ru-RU" sz="3200" dirty="0" err="1"/>
               <a:t>посиланням</a:t>
             </a:r>
             <a:r>
-              <a:rPr lang="ru-RU" dirty="0"/>
+              <a:rPr lang="ru-RU" sz="3200" dirty="0"/>
               <a:t> 2.</a:t>
             </a:r>
           </a:p>
@@ -4466,59 +4547,17 @@
               <a:buNone/>
             </a:pPr>
             <a:r>
-              <a:rPr lang="en-GB" dirty="0"/>
+              <a:rPr lang="en-GB" sz="3200" dirty="0"/>
               <a:t>(</a:t>
             </a:r>
             <a:r>
-              <a:rPr lang="uk-UA" dirty="0"/>
+              <a:rPr lang="uk-UA" sz="3200" dirty="0"/>
               <a:t>презентація ще в процесі роботи</a:t>
             </a:r>
             <a:r>
-              <a:rPr lang="en-GB" dirty="0"/>
+              <a:rPr lang="en-GB" sz="3200" dirty="0"/>
               <a:t>)</a:t>
             </a:r>
-            <a:endParaRPr lang="en-US" dirty="0"/>
-          </a:p>
-          <a:p>
-            <a:pPr marL="457200" lvl="1" indent="0" algn="just">
-              <a:buNone/>
-            </a:pPr>
-            <a:endParaRPr lang="uk-UA" dirty="0"/>
-          </a:p>
-          <a:p>
-            <a:pPr marL="457200" lvl="1" indent="0" algn="just">
-              <a:buNone/>
-            </a:pPr>
-            <a:endParaRPr lang="en-GB" dirty="0"/>
-          </a:p>
-          <a:p>
-            <a:pPr marL="457200" lvl="1" indent="0" algn="just">
-              <a:buNone/>
-            </a:pPr>
-            <a:endParaRPr lang="en-US" dirty="0"/>
-          </a:p>
-          <a:p>
-            <a:pPr marL="457200" lvl="1" indent="0" algn="just">
-              <a:buNone/>
-            </a:pPr>
-            <a:endParaRPr lang="uk-UA" dirty="0"/>
-          </a:p>
-          <a:p>
-            <a:pPr marL="457200" lvl="1" indent="0" algn="just">
-              <a:buNone/>
-            </a:pPr>
-            <a:endParaRPr lang="uk-UA" dirty="0"/>
-          </a:p>
-          <a:p>
-            <a:pPr marL="457200" lvl="1" indent="0" algn="just">
-              <a:buNone/>
-            </a:pPr>
-            <a:endParaRPr lang="uk-UA" dirty="0"/>
-          </a:p>
-          <a:p>
-            <a:pPr marL="0" indent="0" algn="just">
-              <a:buNone/>
-            </a:pPr>
             <a:r>
               <a:rPr lang="uk-UA" dirty="0"/>
               <a:t>	</a:t>
@@ -4526,6 +4565,36 @@
           </a:p>
         </p:txBody>
       </p:sp>
+      <p:pic>
+        <p:nvPicPr>
+          <p:cNvPr id="4" name="Рисунок 3">
+            <a:extLst>
+              <a:ext uri="{FF2B5EF4-FFF2-40B4-BE49-F238E27FC236}">
+                <a16:creationId xmlns:a16="http://schemas.microsoft.com/office/drawing/2014/main" id="{871FC7D2-0DA8-4F49-8448-D0560F47046E}"/>
+              </a:ext>
+            </a:extLst>
+          </p:cNvPr>
+          <p:cNvPicPr>
+            <a:picLocks noChangeAspect="1"/>
+          </p:cNvPicPr>
+          <p:nvPr/>
+        </p:nvPicPr>
+        <p:blipFill>
+          <a:blip r:embed="rId2"/>
+          <a:stretch>
+            <a:fillRect/>
+          </a:stretch>
+        </p:blipFill>
+        <p:spPr>
+          <a:xfrm>
+            <a:off x="1447331" y="4336944"/>
+            <a:ext cx="2962275" cy="314325"/>
+          </a:xfrm>
+          <a:prstGeom prst="rect">
+            <a:avLst/>
+          </a:prstGeom>
+        </p:spPr>
+      </p:pic>
     </p:spTree>
     <p:extLst>
       <p:ext uri="{BB962C8B-B14F-4D97-AF65-F5344CB8AC3E}">
@@ -4781,7 +4850,7 @@
             </a:pPr>
             <a:r>
               <a:rPr lang="en-US" dirty="0"/>
-              <a:t>https://goldengatepub.com/</a:t>
+              <a:t>http://www.mybee.com.ua/</a:t>
             </a:r>
             <a:endParaRPr lang="uk-UA" dirty="0"/>
           </a:p>
